--- a/images/images2.pptx
+++ b/images/images2.pptx
@@ -5,14 +5,15 @@
     <p:sldMasterId id="2147483648" r:id="rId1"/>
   </p:sldMasterIdLst>
   <p:notesMasterIdLst>
-    <p:notesMasterId r:id="rId7"/>
+    <p:notesMasterId r:id="rId8"/>
   </p:notesMasterIdLst>
   <p:sldIdLst>
     <p:sldId id="269" r:id="rId2"/>
-    <p:sldId id="268" r:id="rId3"/>
-    <p:sldId id="265" r:id="rId4"/>
-    <p:sldId id="263" r:id="rId5"/>
-    <p:sldId id="264" r:id="rId6"/>
+    <p:sldId id="270" r:id="rId3"/>
+    <p:sldId id="268" r:id="rId4"/>
+    <p:sldId id="265" r:id="rId5"/>
+    <p:sldId id="263" r:id="rId6"/>
+    <p:sldId id="264" r:id="rId7"/>
   </p:sldIdLst>
   <p:sldSz cx="12192000" cy="6858000"/>
   <p:notesSz cx="6858000" cy="9144000"/>
@@ -201,7 +202,7 @@
           <a:p>
             <a:fld id="{A19F0B27-FDAD-46DC-BE4C-D58A19A66EDF}" type="datetimeFigureOut">
               <a:rPr lang="zh-CN" altLang="en-US" smtClean="0"/>
-              <a:t>2025/6/24</a:t>
+              <a:t>2025/7/11</a:t>
             </a:fld>
             <a:endParaRPr lang="zh-CN" altLang="en-US"/>
           </a:p>
@@ -601,14 +602,10 @@
           <a:lstStyle/>
           <a:p>
             <a:r>
-              <a:rPr lang="en-US" altLang="zh-SG" dirty="0"/>
-              <a:t>2024 ACCV </a:t>
-            </a:r>
-            <a:r>
-              <a:rPr lang="en-US" altLang="zh-SG" dirty="0" err="1"/>
-              <a:t>VIPNet</a:t>
-            </a:r>
-            <a:endParaRPr lang="zh-SG" altLang="en-US" dirty="0"/>
+              <a:rPr lang="en-US" altLang="zh-CN" dirty="0"/>
+              <a:t>2025_MICCAI_MS-IQA</a:t>
+            </a:r>
+            <a:endParaRPr lang="zh-CN" altLang="en-US" dirty="0"/>
           </a:p>
         </p:txBody>
       </p:sp>
@@ -638,7 +635,7 @@
     </p:spTree>
     <p:extLst>
       <p:ext uri="{BB962C8B-B14F-4D97-AF65-F5344CB8AC3E}">
-        <p14:creationId xmlns:p14="http://schemas.microsoft.com/office/powerpoint/2010/main" val="2700308074"/>
+        <p14:creationId xmlns:p14="http://schemas.microsoft.com/office/powerpoint/2010/main" val="1539863841"/>
       </p:ext>
     </p:extLst>
   </p:cSld>
@@ -692,44 +689,15 @@
           <a:bodyPr/>
           <a:lstStyle/>
           <a:p>
-            <a:pPr marL="0" marR="0" lvl="0" indent="0" algn="l" defTabSz="914400" rtl="0" eaLnBrk="1" fontAlgn="auto" latinLnBrk="0" hangingPunct="1">
-              <a:lnSpc>
-                <a:spcPct val="100000"/>
-              </a:lnSpc>
-              <a:spcBef>
-                <a:spcPts val="0"/>
-              </a:spcBef>
-              <a:spcAft>
-                <a:spcPts val="0"/>
-              </a:spcAft>
-              <a:buClrTx/>
-              <a:buSzTx/>
-              <a:buFontTx/>
-              <a:buNone/>
-              <a:tabLst/>
-              <a:defRPr/>
-            </a:pPr>
-            <a:r>
-              <a:rPr lang="en-US" altLang="zh-CN" dirty="0"/>
-              <a:t>2022_</a:t>
-            </a:r>
-            <a:r>
-              <a:rPr lang="en-US" altLang="zh-CN" sz="1800" dirty="0">
-                <a:solidFill>
-                  <a:srgbClr val="7A7E85"/>
-                </a:solidFill>
-                <a:effectLst/>
-                <a:latin typeface="JetBrains Mono"/>
-              </a:rPr>
-              <a:t>Frontiers</a:t>
-            </a:r>
-            <a:endParaRPr lang="en-US" altLang="zh-CN" sz="1800" dirty="0">
-              <a:solidFill>
-                <a:srgbClr val="BCBEC4"/>
-              </a:solidFill>
-              <a:effectLst/>
-              <a:latin typeface="JetBrains Mono"/>
-            </a:endParaRPr>
+            <a:r>
+              <a:rPr lang="en-US" altLang="zh-SG" dirty="0"/>
+              <a:t>2024 ACCV </a:t>
+            </a:r>
+            <a:r>
+              <a:rPr lang="en-US" altLang="zh-SG" dirty="0" err="1"/>
+              <a:t>VIPNet</a:t>
+            </a:r>
+            <a:endParaRPr lang="zh-SG" altLang="en-US" dirty="0"/>
           </a:p>
         </p:txBody>
       </p:sp>
@@ -750,7 +718,7 @@
           <a:p>
             <a:fld id="{CA3D5429-02D7-4B29-B712-6BC7A0C42A79}" type="slidenum">
               <a:rPr lang="zh-CN" altLang="en-US" smtClean="0"/>
-              <a:t>4</a:t>
+              <a:t>3</a:t>
             </a:fld>
             <a:endParaRPr lang="zh-CN" altLang="en-US"/>
           </a:p>
@@ -759,7 +727,7 @@
     </p:spTree>
     <p:extLst>
       <p:ext uri="{BB962C8B-B14F-4D97-AF65-F5344CB8AC3E}">
-        <p14:creationId xmlns:p14="http://schemas.microsoft.com/office/powerpoint/2010/main" val="826504611"/>
+        <p14:creationId xmlns:p14="http://schemas.microsoft.com/office/powerpoint/2010/main" val="2700308074"/>
       </p:ext>
     </p:extLst>
   </p:cSld>
@@ -832,7 +800,17 @@
             </a:pPr>
             <a:r>
               <a:rPr lang="en-US" altLang="zh-CN" dirty="0"/>
-              <a:t>2017_ICTAI</a:t>
+              <a:t>2022_</a:t>
+            </a:r>
+            <a:r>
+              <a:rPr lang="en-US" altLang="zh-CN" sz="1800" dirty="0">
+                <a:solidFill>
+                  <a:srgbClr val="7A7E85"/>
+                </a:solidFill>
+                <a:effectLst/>
+                <a:latin typeface="JetBrains Mono"/>
+              </a:rPr>
+              <a:t>Frontiers</a:t>
             </a:r>
             <a:endParaRPr lang="en-US" altLang="zh-CN" sz="1800" dirty="0">
               <a:solidFill>
@@ -862,6 +840,117 @@
             <a:fld id="{CA3D5429-02D7-4B29-B712-6BC7A0C42A79}" type="slidenum">
               <a:rPr lang="zh-CN" altLang="en-US" smtClean="0"/>
               <a:t>5</a:t>
+            </a:fld>
+            <a:endParaRPr lang="zh-CN" altLang="en-US"/>
+          </a:p>
+        </p:txBody>
+      </p:sp>
+    </p:spTree>
+    <p:extLst>
+      <p:ext uri="{BB962C8B-B14F-4D97-AF65-F5344CB8AC3E}">
+        <p14:creationId xmlns:p14="http://schemas.microsoft.com/office/powerpoint/2010/main" val="826504611"/>
+      </p:ext>
+    </p:extLst>
+  </p:cSld>
+  <p:clrMapOvr>
+    <a:masterClrMapping/>
+  </p:clrMapOvr>
+</p:notes>
+</file>
+
+<file path=ppt/notesSlides/notesSlide5.xml><?xml version="1.0" encoding="utf-8"?>
+<p:notes xmlns:a="http://schemas.openxmlformats.org/drawingml/2006/main" xmlns:r="http://schemas.openxmlformats.org/officeDocument/2006/relationships" xmlns:p="http://schemas.openxmlformats.org/presentationml/2006/main">
+  <p:cSld>
+    <p:spTree>
+      <p:nvGrpSpPr>
+        <p:cNvPr id="1" name=""/>
+        <p:cNvGrpSpPr/>
+        <p:nvPr/>
+      </p:nvGrpSpPr>
+      <p:grpSpPr>
+        <a:xfrm>
+          <a:off x="0" y="0"/>
+          <a:ext cx="0" cy="0"/>
+          <a:chOff x="0" y="0"/>
+          <a:chExt cx="0" cy="0"/>
+        </a:xfrm>
+      </p:grpSpPr>
+      <p:sp>
+        <p:nvSpPr>
+          <p:cNvPr id="2" name="幻灯片图像占位符 1"/>
+          <p:cNvSpPr>
+            <a:spLocks noGrp="1" noRot="1" noChangeAspect="1"/>
+          </p:cNvSpPr>
+          <p:nvPr>
+            <p:ph type="sldImg"/>
+          </p:nvPr>
+        </p:nvSpPr>
+        <p:spPr/>
+      </p:sp>
+      <p:sp>
+        <p:nvSpPr>
+          <p:cNvPr id="3" name="备注占位符 2"/>
+          <p:cNvSpPr>
+            <a:spLocks noGrp="1"/>
+          </p:cNvSpPr>
+          <p:nvPr>
+            <p:ph type="body" idx="1"/>
+          </p:nvPr>
+        </p:nvSpPr>
+        <p:spPr/>
+        <p:txBody>
+          <a:bodyPr/>
+          <a:lstStyle/>
+          <a:p>
+            <a:pPr marL="0" marR="0" lvl="0" indent="0" algn="l" defTabSz="914400" rtl="0" eaLnBrk="1" fontAlgn="auto" latinLnBrk="0" hangingPunct="1">
+              <a:lnSpc>
+                <a:spcPct val="100000"/>
+              </a:lnSpc>
+              <a:spcBef>
+                <a:spcPts val="0"/>
+              </a:spcBef>
+              <a:spcAft>
+                <a:spcPts val="0"/>
+              </a:spcAft>
+              <a:buClrTx/>
+              <a:buSzTx/>
+              <a:buFontTx/>
+              <a:buNone/>
+              <a:tabLst/>
+              <a:defRPr/>
+            </a:pPr>
+            <a:r>
+              <a:rPr lang="en-US" altLang="zh-CN" dirty="0"/>
+              <a:t>2017_ICTAI</a:t>
+            </a:r>
+            <a:endParaRPr lang="en-US" altLang="zh-CN" sz="1800" dirty="0">
+              <a:solidFill>
+                <a:srgbClr val="BCBEC4"/>
+              </a:solidFill>
+              <a:effectLst/>
+              <a:latin typeface="JetBrains Mono"/>
+            </a:endParaRPr>
+          </a:p>
+        </p:txBody>
+      </p:sp>
+      <p:sp>
+        <p:nvSpPr>
+          <p:cNvPr id="4" name="灯片编号占位符 3"/>
+          <p:cNvSpPr>
+            <a:spLocks noGrp="1"/>
+          </p:cNvSpPr>
+          <p:nvPr>
+            <p:ph type="sldNum" sz="quarter" idx="5"/>
+          </p:nvPr>
+        </p:nvSpPr>
+        <p:spPr/>
+        <p:txBody>
+          <a:bodyPr/>
+          <a:lstStyle/>
+          <a:p>
+            <a:fld id="{CA3D5429-02D7-4B29-B712-6BC7A0C42A79}" type="slidenum">
+              <a:rPr lang="zh-CN" altLang="en-US" smtClean="0"/>
+              <a:t>6</a:t>
             </a:fld>
             <a:endParaRPr lang="zh-CN" altLang="en-US"/>
           </a:p>
@@ -1027,7 +1116,7 @@
           <a:p>
             <a:fld id="{EAF5E376-3A0B-4AF8-A9EB-29B2BF33A297}" type="datetimeFigureOut">
               <a:rPr lang="zh-CN" altLang="en-US" smtClean="0"/>
-              <a:t>2025/6/24</a:t>
+              <a:t>2025/7/11</a:t>
             </a:fld>
             <a:endParaRPr lang="zh-CN" altLang="en-US"/>
           </a:p>
@@ -1225,7 +1314,7 @@
           <a:p>
             <a:fld id="{EAF5E376-3A0B-4AF8-A9EB-29B2BF33A297}" type="datetimeFigureOut">
               <a:rPr lang="zh-CN" altLang="en-US" smtClean="0"/>
-              <a:t>2025/6/24</a:t>
+              <a:t>2025/7/11</a:t>
             </a:fld>
             <a:endParaRPr lang="zh-CN" altLang="en-US"/>
           </a:p>
@@ -1433,7 +1522,7 @@
           <a:p>
             <a:fld id="{EAF5E376-3A0B-4AF8-A9EB-29B2BF33A297}" type="datetimeFigureOut">
               <a:rPr lang="zh-CN" altLang="en-US" smtClean="0"/>
-              <a:t>2025/6/24</a:t>
+              <a:t>2025/7/11</a:t>
             </a:fld>
             <a:endParaRPr lang="zh-CN" altLang="en-US"/>
           </a:p>
@@ -1631,7 +1720,7 @@
           <a:p>
             <a:fld id="{EAF5E376-3A0B-4AF8-A9EB-29B2BF33A297}" type="datetimeFigureOut">
               <a:rPr lang="zh-CN" altLang="en-US" smtClean="0"/>
-              <a:t>2025/6/24</a:t>
+              <a:t>2025/7/11</a:t>
             </a:fld>
             <a:endParaRPr lang="zh-CN" altLang="en-US"/>
           </a:p>
@@ -1906,7 +1995,7 @@
           <a:p>
             <a:fld id="{EAF5E376-3A0B-4AF8-A9EB-29B2BF33A297}" type="datetimeFigureOut">
               <a:rPr lang="zh-CN" altLang="en-US" smtClean="0"/>
-              <a:t>2025/6/24</a:t>
+              <a:t>2025/7/11</a:t>
             </a:fld>
             <a:endParaRPr lang="zh-CN" altLang="en-US"/>
           </a:p>
@@ -2171,7 +2260,7 @@
           <a:p>
             <a:fld id="{EAF5E376-3A0B-4AF8-A9EB-29B2BF33A297}" type="datetimeFigureOut">
               <a:rPr lang="zh-CN" altLang="en-US" smtClean="0"/>
-              <a:t>2025/6/24</a:t>
+              <a:t>2025/7/11</a:t>
             </a:fld>
             <a:endParaRPr lang="zh-CN" altLang="en-US"/>
           </a:p>
@@ -2583,7 +2672,7 @@
           <a:p>
             <a:fld id="{EAF5E376-3A0B-4AF8-A9EB-29B2BF33A297}" type="datetimeFigureOut">
               <a:rPr lang="zh-CN" altLang="en-US" smtClean="0"/>
-              <a:t>2025/6/24</a:t>
+              <a:t>2025/7/11</a:t>
             </a:fld>
             <a:endParaRPr lang="zh-CN" altLang="en-US"/>
           </a:p>
@@ -2724,7 +2813,7 @@
           <a:p>
             <a:fld id="{EAF5E376-3A0B-4AF8-A9EB-29B2BF33A297}" type="datetimeFigureOut">
               <a:rPr lang="zh-CN" altLang="en-US" smtClean="0"/>
-              <a:t>2025/6/24</a:t>
+              <a:t>2025/7/11</a:t>
             </a:fld>
             <a:endParaRPr lang="zh-CN" altLang="en-US"/>
           </a:p>
@@ -2837,7 +2926,7 @@
           <a:p>
             <a:fld id="{EAF5E376-3A0B-4AF8-A9EB-29B2BF33A297}" type="datetimeFigureOut">
               <a:rPr lang="zh-CN" altLang="en-US" smtClean="0"/>
-              <a:t>2025/6/24</a:t>
+              <a:t>2025/7/11</a:t>
             </a:fld>
             <a:endParaRPr lang="zh-CN" altLang="en-US"/>
           </a:p>
@@ -3148,7 +3237,7 @@
           <a:p>
             <a:fld id="{EAF5E376-3A0B-4AF8-A9EB-29B2BF33A297}" type="datetimeFigureOut">
               <a:rPr lang="zh-CN" altLang="en-US" smtClean="0"/>
-              <a:t>2025/6/24</a:t>
+              <a:t>2025/7/11</a:t>
             </a:fld>
             <a:endParaRPr lang="zh-CN" altLang="en-US"/>
           </a:p>
@@ -3436,7 +3525,7 @@
           <a:p>
             <a:fld id="{EAF5E376-3A0B-4AF8-A9EB-29B2BF33A297}" type="datetimeFigureOut">
               <a:rPr lang="zh-CN" altLang="en-US" smtClean="0"/>
-              <a:t>2025/6/24</a:t>
+              <a:t>2025/7/11</a:t>
             </a:fld>
             <a:endParaRPr lang="zh-CN" altLang="en-US"/>
           </a:p>
@@ -3677,7 +3766,7 @@
           <a:p>
             <a:fld id="{EAF5E376-3A0B-4AF8-A9EB-29B2BF33A297}" type="datetimeFigureOut">
               <a:rPr lang="zh-CN" altLang="en-US" smtClean="0"/>
-              <a:t>2025/6/24</a:t>
+              <a:t>2025/7/11</a:t>
             </a:fld>
             <a:endParaRPr lang="zh-CN" altLang="en-US"/>
           </a:p>
@@ -4211,6 +4300,118 @@
           <p:cNvPr id="6" name="矩形 5">
             <a:extLst>
               <a:ext uri="{FF2B5EF4-FFF2-40B4-BE49-F238E27FC236}">
+                <a16:creationId xmlns:a16="http://schemas.microsoft.com/office/drawing/2014/main" id="{7F044E7B-E815-D7B5-6DE1-B0042955BDC5}"/>
+              </a:ext>
+            </a:extLst>
+          </p:cNvPr>
+          <p:cNvSpPr/>
+          <p:nvPr/>
+        </p:nvSpPr>
+        <p:spPr>
+          <a:xfrm>
+            <a:off x="0" y="0"/>
+            <a:ext cx="12192000" cy="6858000"/>
+          </a:xfrm>
+          <a:prstGeom prst="rect">
+            <a:avLst/>
+          </a:prstGeom>
+          <a:solidFill>
+            <a:schemeClr val="bg1"/>
+          </a:solidFill>
+          <a:ln>
+            <a:noFill/>
+          </a:ln>
+        </p:spPr>
+        <p:style>
+          <a:lnRef idx="2">
+            <a:schemeClr val="accent1">
+              <a:shade val="15000"/>
+            </a:schemeClr>
+          </a:lnRef>
+          <a:fillRef idx="1">
+            <a:schemeClr val="accent1"/>
+          </a:fillRef>
+          <a:effectRef idx="0">
+            <a:schemeClr val="accent1"/>
+          </a:effectRef>
+          <a:fontRef idx="minor">
+            <a:schemeClr val="lt1"/>
+          </a:fontRef>
+        </p:style>
+        <p:txBody>
+          <a:bodyPr rtlCol="0" anchor="ctr"/>
+          <a:lstStyle/>
+          <a:p>
+            <a:pPr algn="ctr"/>
+            <a:endParaRPr lang="zh-SG" altLang="en-US"/>
+          </a:p>
+        </p:txBody>
+      </p:sp>
+      <p:pic>
+        <p:nvPicPr>
+          <p:cNvPr id="5" name="图片 4">
+            <a:extLst>
+              <a:ext uri="{FF2B5EF4-FFF2-40B4-BE49-F238E27FC236}">
+                <a16:creationId xmlns:a16="http://schemas.microsoft.com/office/drawing/2014/main" id="{DA4EA201-FDA9-48D4-BD04-D888DAA9FC9F}"/>
+              </a:ext>
+            </a:extLst>
+          </p:cNvPr>
+          <p:cNvPicPr>
+            <a:picLocks noChangeAspect="1"/>
+          </p:cNvPicPr>
+          <p:nvPr/>
+        </p:nvPicPr>
+        <p:blipFill>
+          <a:blip r:embed="rId3"/>
+          <a:stretch>
+            <a:fillRect/>
+          </a:stretch>
+        </p:blipFill>
+        <p:spPr>
+          <a:xfrm>
+            <a:off x="0" y="584350"/>
+            <a:ext cx="12192000" cy="5689300"/>
+          </a:xfrm>
+          <a:prstGeom prst="rect">
+            <a:avLst/>
+          </a:prstGeom>
+        </p:spPr>
+      </p:pic>
+    </p:spTree>
+    <p:extLst>
+      <p:ext uri="{BB962C8B-B14F-4D97-AF65-F5344CB8AC3E}">
+        <p14:creationId xmlns:p14="http://schemas.microsoft.com/office/powerpoint/2010/main" val="1501051941"/>
+      </p:ext>
+    </p:extLst>
+  </p:cSld>
+  <p:clrMapOvr>
+    <a:masterClrMapping/>
+  </p:clrMapOvr>
+</p:sld>
+</file>
+
+<file path=ppt/slides/slide3.xml><?xml version="1.0" encoding="utf-8"?>
+<p:sld xmlns:a="http://schemas.openxmlformats.org/drawingml/2006/main" xmlns:r="http://schemas.openxmlformats.org/officeDocument/2006/relationships" xmlns:p="http://schemas.openxmlformats.org/presentationml/2006/main">
+  <p:cSld>
+    <p:spTree>
+      <p:nvGrpSpPr>
+        <p:cNvPr id="1" name=""/>
+        <p:cNvGrpSpPr/>
+        <p:nvPr/>
+      </p:nvGrpSpPr>
+      <p:grpSpPr>
+        <a:xfrm>
+          <a:off x="0" y="0"/>
+          <a:ext cx="0" cy="0"/>
+          <a:chOff x="0" y="0"/>
+          <a:chExt cx="0" cy="0"/>
+        </a:xfrm>
+      </p:grpSpPr>
+      <p:sp>
+        <p:nvSpPr>
+          <p:cNvPr id="6" name="矩形 5">
+            <a:extLst>
+              <a:ext uri="{FF2B5EF4-FFF2-40B4-BE49-F238E27FC236}">
                 <a16:creationId xmlns:a16="http://schemas.microsoft.com/office/drawing/2014/main" id="{D44CEC7A-7FF9-DD0A-ACFD-994D599544FC}"/>
               </a:ext>
             </a:extLst>
@@ -4301,7 +4502,7 @@
 </p:sld>
 </file>
 
-<file path=ppt/slides/slide3.xml><?xml version="1.0" encoding="utf-8"?>
+<file path=ppt/slides/slide4.xml><?xml version="1.0" encoding="utf-8"?>
 <p:sld xmlns:a="http://schemas.openxmlformats.org/drawingml/2006/main" xmlns:r="http://schemas.openxmlformats.org/officeDocument/2006/relationships" xmlns:p="http://schemas.openxmlformats.org/presentationml/2006/main">
   <p:cSld>
     <p:spTree>
@@ -4419,7 +4620,7 @@
 </p:sld>
 </file>
 
-<file path=ppt/slides/slide4.xml><?xml version="1.0" encoding="utf-8"?>
+<file path=ppt/slides/slide5.xml><?xml version="1.0" encoding="utf-8"?>
 <p:sld xmlns:a="http://schemas.openxmlformats.org/drawingml/2006/main" xmlns:r="http://schemas.openxmlformats.org/officeDocument/2006/relationships" xmlns:p="http://schemas.openxmlformats.org/presentationml/2006/main">
   <p:cSld>
     <p:spTree>
@@ -4531,7 +4732,7 @@
 </p:sld>
 </file>
 
-<file path=ppt/slides/slide5.xml><?xml version="1.0" encoding="utf-8"?>
+<file path=ppt/slides/slide6.xml><?xml version="1.0" encoding="utf-8"?>
 <p:sld xmlns:a="http://schemas.openxmlformats.org/drawingml/2006/main" xmlns:r="http://schemas.openxmlformats.org/officeDocument/2006/relationships" xmlns:p="http://schemas.openxmlformats.org/presentationml/2006/main">
   <p:cSld>
     <p:spTree>
